--- a/开发部署一体化PPT/cloud.pptx
+++ b/开发部署一体化PPT/cloud.pptx
@@ -5,7 +5,7 @@
     <p:sldMasterId id="2147483648" r:id="rId1"/>
   </p:sldMasterIdLst>
   <p:notesMasterIdLst>
-    <p:notesMasterId r:id="rId24"/>
+    <p:notesMasterId r:id="rId25"/>
   </p:notesMasterIdLst>
   <p:sldIdLst>
     <p:sldId id="256" r:id="rId2"/>
@@ -30,6 +30,7 @@
     <p:sldId id="275" r:id="rId21"/>
     <p:sldId id="276" r:id="rId22"/>
     <p:sldId id="277" r:id="rId23"/>
+    <p:sldId id="278" r:id="rId24"/>
   </p:sldIdLst>
   <p:sldSz cx="9144000" cy="6858000" type="screen4x3"/>
   <p:notesSz cx="6858000" cy="9144000"/>
@@ -213,7 +214,7 @@
           <a:p>
             <a:fld id="{9DEAEA92-F7B8-47D9-A49F-B5F90DEEAE1B}" type="datetimeFigureOut">
               <a:rPr lang="zh-CN" altLang="en-US" smtClean="0"/>
-              <a:t>2016/9/22</a:t>
+              <a:t>2016/9/26</a:t>
             </a:fld>
             <a:endParaRPr lang="zh-CN" altLang="en-US"/>
           </a:p>
@@ -1724,7 +1725,7 @@
           <a:p>
             <a:fld id="{530820CF-B880-4189-942D-D702A7CBA730}" type="datetimeFigureOut">
               <a:rPr lang="zh-CN" altLang="en-US" smtClean="0"/>
-              <a:t>2016/9/22</a:t>
+              <a:t>2016/9/26</a:t>
             </a:fld>
             <a:endParaRPr lang="zh-CN" altLang="en-US"/>
           </a:p>
@@ -1889,7 +1890,7 @@
           <a:p>
             <a:fld id="{530820CF-B880-4189-942D-D702A7CBA730}" type="datetimeFigureOut">
               <a:rPr lang="zh-CN" altLang="en-US" smtClean="0"/>
-              <a:t>2016/9/22</a:t>
+              <a:t>2016/9/26</a:t>
             </a:fld>
             <a:endParaRPr lang="zh-CN" altLang="en-US"/>
           </a:p>
@@ -2064,7 +2065,7 @@
           <a:p>
             <a:fld id="{530820CF-B880-4189-942D-D702A7CBA730}" type="datetimeFigureOut">
               <a:rPr lang="zh-CN" altLang="en-US" smtClean="0"/>
-              <a:t>2016/9/22</a:t>
+              <a:t>2016/9/26</a:t>
             </a:fld>
             <a:endParaRPr lang="zh-CN" altLang="en-US"/>
           </a:p>
@@ -2229,7 +2230,7 @@
           <a:p>
             <a:fld id="{530820CF-B880-4189-942D-D702A7CBA730}" type="datetimeFigureOut">
               <a:rPr lang="zh-CN" altLang="en-US" smtClean="0"/>
-              <a:t>2016/9/22</a:t>
+              <a:t>2016/9/26</a:t>
             </a:fld>
             <a:endParaRPr lang="zh-CN" altLang="en-US"/>
           </a:p>
@@ -2470,7 +2471,7 @@
           <a:p>
             <a:fld id="{530820CF-B880-4189-942D-D702A7CBA730}" type="datetimeFigureOut">
               <a:rPr lang="zh-CN" altLang="en-US" smtClean="0"/>
-              <a:t>2016/9/22</a:t>
+              <a:t>2016/9/26</a:t>
             </a:fld>
             <a:endParaRPr lang="zh-CN" altLang="en-US"/>
           </a:p>
@@ -2753,7 +2754,7 @@
           <a:p>
             <a:fld id="{530820CF-B880-4189-942D-D702A7CBA730}" type="datetimeFigureOut">
               <a:rPr lang="zh-CN" altLang="en-US" smtClean="0"/>
-              <a:t>2016/9/22</a:t>
+              <a:t>2016/9/26</a:t>
             </a:fld>
             <a:endParaRPr lang="zh-CN" altLang="en-US"/>
           </a:p>
@@ -3170,7 +3171,7 @@
           <a:p>
             <a:fld id="{530820CF-B880-4189-942D-D702A7CBA730}" type="datetimeFigureOut">
               <a:rPr lang="zh-CN" altLang="en-US" smtClean="0"/>
-              <a:t>2016/9/22</a:t>
+              <a:t>2016/9/26</a:t>
             </a:fld>
             <a:endParaRPr lang="zh-CN" altLang="en-US"/>
           </a:p>
@@ -3283,7 +3284,7 @@
           <a:p>
             <a:fld id="{530820CF-B880-4189-942D-D702A7CBA730}" type="datetimeFigureOut">
               <a:rPr lang="zh-CN" altLang="en-US" smtClean="0"/>
-              <a:t>2016/9/22</a:t>
+              <a:t>2016/9/26</a:t>
             </a:fld>
             <a:endParaRPr lang="zh-CN" altLang="en-US"/>
           </a:p>
@@ -3373,7 +3374,7 @@
           <a:p>
             <a:fld id="{530820CF-B880-4189-942D-D702A7CBA730}" type="datetimeFigureOut">
               <a:rPr lang="zh-CN" altLang="en-US" smtClean="0"/>
-              <a:t>2016/9/22</a:t>
+              <a:t>2016/9/26</a:t>
             </a:fld>
             <a:endParaRPr lang="zh-CN" altLang="en-US"/>
           </a:p>
@@ -3645,7 +3646,7 @@
           <a:p>
             <a:fld id="{530820CF-B880-4189-942D-D702A7CBA730}" type="datetimeFigureOut">
               <a:rPr lang="zh-CN" altLang="en-US" smtClean="0"/>
-              <a:t>2016/9/22</a:t>
+              <a:t>2016/9/26</a:t>
             </a:fld>
             <a:endParaRPr lang="zh-CN" altLang="en-US"/>
           </a:p>
@@ -3893,7 +3894,7 @@
           <a:p>
             <a:fld id="{530820CF-B880-4189-942D-D702A7CBA730}" type="datetimeFigureOut">
               <a:rPr lang="zh-CN" altLang="en-US" smtClean="0"/>
-              <a:t>2016/9/22</a:t>
+              <a:t>2016/9/26</a:t>
             </a:fld>
             <a:endParaRPr lang="zh-CN" altLang="en-US"/>
           </a:p>
@@ -4101,7 +4102,7 @@
           <a:p>
             <a:fld id="{530820CF-B880-4189-942D-D702A7CBA730}" type="datetimeFigureOut">
               <a:rPr lang="zh-CN" altLang="en-US" smtClean="0"/>
-              <a:t>2016/9/22</a:t>
+              <a:t>2016/9/26</a:t>
             </a:fld>
             <a:endParaRPr lang="zh-CN" altLang="en-US"/>
           </a:p>
@@ -4519,6 +4520,13 @@
   <p:clrMapOvr>
     <a:masterClrMapping/>
   </p:clrMapOvr>
+  <p:timing>
+    <p:tnLst>
+      <p:par>
+        <p:cTn id="1" dur="indefinite" restart="never" nodeType="tmRoot"/>
+      </p:par>
+    </p:tnLst>
+  </p:timing>
 </p:sld>
 </file>
 
@@ -4616,6 +4624,13 @@
   <p:clrMapOvr>
     <a:masterClrMapping/>
   </p:clrMapOvr>
+  <p:timing>
+    <p:tnLst>
+      <p:par>
+        <p:cTn id="1" dur="indefinite" restart="never" nodeType="tmRoot"/>
+      </p:par>
+    </p:tnLst>
+  </p:timing>
 </p:sld>
 </file>
 
@@ -4738,6 +4753,13 @@
   <p:clrMapOvr>
     <a:masterClrMapping/>
   </p:clrMapOvr>
+  <p:timing>
+    <p:tnLst>
+      <p:par>
+        <p:cTn id="1" dur="indefinite" restart="never" nodeType="tmRoot"/>
+      </p:par>
+    </p:tnLst>
+  </p:timing>
 </p:sld>
 </file>
 
@@ -4838,6 +4860,13 @@
   <p:clrMapOvr>
     <a:masterClrMapping/>
   </p:clrMapOvr>
+  <p:timing>
+    <p:tnLst>
+      <p:par>
+        <p:cTn id="1" dur="indefinite" restart="never" nodeType="tmRoot"/>
+      </p:par>
+    </p:tnLst>
+  </p:timing>
 </p:sld>
 </file>
 
@@ -5077,6 +5106,13 @@
   <p:clrMapOvr>
     <a:masterClrMapping/>
   </p:clrMapOvr>
+  <p:timing>
+    <p:tnLst>
+      <p:par>
+        <p:cTn id="1" dur="indefinite" restart="never" nodeType="tmRoot"/>
+      </p:par>
+    </p:tnLst>
+  </p:timing>
 </p:sld>
 </file>
 
@@ -5252,6 +5288,13 @@
   <p:clrMapOvr>
     <a:masterClrMapping/>
   </p:clrMapOvr>
+  <p:timing>
+    <p:tnLst>
+      <p:par>
+        <p:cTn id="1" dur="indefinite" restart="never" nodeType="tmRoot"/>
+      </p:par>
+    </p:tnLst>
+  </p:timing>
 </p:sld>
 </file>
 
@@ -5407,6 +5450,13 @@
   <p:clrMapOvr>
     <a:masterClrMapping/>
   </p:clrMapOvr>
+  <p:timing>
+    <p:tnLst>
+      <p:par>
+        <p:cTn id="1" dur="indefinite" restart="never" nodeType="tmRoot"/>
+      </p:par>
+    </p:tnLst>
+  </p:timing>
 </p:sld>
 </file>
 
@@ -5504,6 +5554,13 @@
   <p:clrMapOvr>
     <a:masterClrMapping/>
   </p:clrMapOvr>
+  <p:timing>
+    <p:tnLst>
+      <p:par>
+        <p:cTn id="1" dur="indefinite" restart="never" nodeType="tmRoot"/>
+      </p:par>
+    </p:tnLst>
+  </p:timing>
 </p:sld>
 </file>
 
@@ -5610,6 +5667,13 @@
   <p:clrMapOvr>
     <a:masterClrMapping/>
   </p:clrMapOvr>
+  <p:timing>
+    <p:tnLst>
+      <p:par>
+        <p:cTn id="1" dur="indefinite" restart="never" nodeType="tmRoot"/>
+      </p:par>
+    </p:tnLst>
+  </p:timing>
 </p:sld>
 </file>
 
@@ -5837,6 +5901,13 @@
   <p:clrMapOvr>
     <a:masterClrMapping/>
   </p:clrMapOvr>
+  <p:timing>
+    <p:tnLst>
+      <p:par>
+        <p:cTn id="1" dur="indefinite" restart="never" nodeType="tmRoot"/>
+      </p:par>
+    </p:tnLst>
+  </p:timing>
 </p:sld>
 </file>
 
@@ -6022,6 +6093,13 @@
   <p:clrMapOvr>
     <a:masterClrMapping/>
   </p:clrMapOvr>
+  <p:timing>
+    <p:tnLst>
+      <p:par>
+        <p:cTn id="1" dur="indefinite" restart="never" nodeType="tmRoot"/>
+      </p:par>
+    </p:tnLst>
+  </p:timing>
 </p:sld>
 </file>
 
@@ -6164,6 +6242,13 @@
   <p:clrMapOvr>
     <a:masterClrMapping/>
   </p:clrMapOvr>
+  <p:timing>
+    <p:tnLst>
+      <p:par>
+        <p:cTn id="1" dur="indefinite" restart="never" nodeType="tmRoot"/>
+      </p:par>
+    </p:tnLst>
+  </p:timing>
 </p:sld>
 </file>
 
@@ -6275,6 +6360,13 @@
   <p:clrMapOvr>
     <a:masterClrMapping/>
   </p:clrMapOvr>
+  <p:timing>
+    <p:tnLst>
+      <p:par>
+        <p:cTn id="1" dur="indefinite" restart="never" nodeType="tmRoot"/>
+      </p:par>
+    </p:tnLst>
+  </p:timing>
 </p:sld>
 </file>
 
@@ -6424,6 +6516,13 @@
   <p:clrMapOvr>
     <a:masterClrMapping/>
   </p:clrMapOvr>
+  <p:timing>
+    <p:tnLst>
+      <p:par>
+        <p:cTn id="1" dur="indefinite" restart="never" nodeType="tmRoot"/>
+      </p:par>
+    </p:tnLst>
+  </p:timing>
 </p:sld>
 </file>
 
@@ -6651,6 +6750,129 @@
   <p:clrMapOvr>
     <a:masterClrMapping/>
   </p:clrMapOvr>
+  <p:timing>
+    <p:tnLst>
+      <p:par>
+        <p:cTn id="1" dur="indefinite" restart="never" nodeType="tmRoot"/>
+      </p:par>
+    </p:tnLst>
+  </p:timing>
+</p:sld>
+</file>
+
+<file path=ppt/slides/slide23.xml><?xml version="1.0" encoding="utf-8"?>
+<p:sld xmlns:a="http://schemas.openxmlformats.org/drawingml/2006/main" xmlns:r="http://schemas.openxmlformats.org/officeDocument/2006/relationships" xmlns:p="http://schemas.openxmlformats.org/presentationml/2006/main">
+  <p:cSld>
+    <p:spTree>
+      <p:nvGrpSpPr>
+        <p:cNvPr id="1" name=""/>
+        <p:cNvGrpSpPr/>
+        <p:nvPr/>
+      </p:nvGrpSpPr>
+      <p:grpSpPr>
+        <a:xfrm>
+          <a:off x="0" y="0"/>
+          <a:ext cx="0" cy="0"/>
+          <a:chOff x="0" y="0"/>
+          <a:chExt cx="0" cy="0"/>
+        </a:xfrm>
+      </p:grpSpPr>
+      <p:sp>
+        <p:nvSpPr>
+          <p:cNvPr id="2" name="标题 1"/>
+          <p:cNvSpPr>
+            <a:spLocks noGrp="1"/>
+          </p:cNvSpPr>
+          <p:nvPr>
+            <p:ph type="title"/>
+          </p:nvPr>
+        </p:nvSpPr>
+        <p:spPr/>
+        <p:txBody>
+          <a:bodyPr/>
+          <a:lstStyle/>
+          <a:p>
+            <a:endParaRPr lang="zh-CN" altLang="en-US"/>
+          </a:p>
+        </p:txBody>
+      </p:sp>
+      <p:sp>
+        <p:nvSpPr>
+          <p:cNvPr id="3" name="内容占位符 2"/>
+          <p:cNvSpPr>
+            <a:spLocks noGrp="1"/>
+          </p:cNvSpPr>
+          <p:nvPr>
+            <p:ph idx="1"/>
+          </p:nvPr>
+        </p:nvSpPr>
+        <p:spPr/>
+        <p:txBody>
+          <a:bodyPr/>
+          <a:lstStyle/>
+          <a:p>
+            <a:endParaRPr lang="zh-CN" altLang="en-US"/>
+          </a:p>
+        </p:txBody>
+      </p:sp>
+      <p:pic>
+        <p:nvPicPr>
+          <p:cNvPr id="1026" name="Picture 2" descr="http://img0.tuicool.com/QFV3eue.jpg%21web"/>
+          <p:cNvPicPr>
+            <a:picLocks noChangeAspect="1" noChangeArrowheads="1"/>
+          </p:cNvPicPr>
+          <p:nvPr/>
+        </p:nvPicPr>
+        <p:blipFill>
+          <a:blip r:embed="rId2">
+            <a:extLst>
+              <a:ext uri="{28A0092B-C50C-407E-A947-70E740481C1C}">
+                <a14:useLocalDpi xmlns:a14="http://schemas.microsoft.com/office/drawing/2010/main" val="0"/>
+              </a:ext>
+            </a:extLst>
+          </a:blip>
+          <a:srcRect/>
+          <a:stretch>
+            <a:fillRect/>
+          </a:stretch>
+        </p:blipFill>
+        <p:spPr bwMode="auto">
+          <a:xfrm>
+            <a:off x="395535" y="908720"/>
+            <a:ext cx="8426465" cy="5040560"/>
+          </a:xfrm>
+          <a:prstGeom prst="rect">
+            <a:avLst/>
+          </a:prstGeom>
+          <a:noFill/>
+          <a:extLst>
+            <a:ext uri="{909E8E84-426E-40DD-AFC4-6F175D3DCCD1}">
+              <a14:hiddenFill xmlns:a14="http://schemas.microsoft.com/office/drawing/2010/main">
+                <a:solidFill>
+                  <a:srgbClr val="FFFFFF"/>
+                </a:solidFill>
+              </a14:hiddenFill>
+            </a:ext>
+          </a:extLst>
+        </p:spPr>
+      </p:pic>
+    </p:spTree>
+    <p:extLst>
+      <p:ext uri="{BB962C8B-B14F-4D97-AF65-F5344CB8AC3E}">
+        <p14:creationId xmlns:p14="http://schemas.microsoft.com/office/powerpoint/2010/main" val="262159587"/>
+      </p:ext>
+    </p:extLst>
+  </p:cSld>
+  <p:clrMapOvr>
+    <a:masterClrMapping/>
+  </p:clrMapOvr>
+  <p:timing>
+    <p:tnLst>
+      <p:par>
+        <p:cTn id="1" dur="indefinite" restart="never" nodeType="tmRoot"/>
+      </p:par>
+    </p:tnLst>
+  </p:timing>
 </p:sld>
 </file>
 
@@ -6795,6 +7017,13 @@
   <p:clrMapOvr>
     <a:masterClrMapping/>
   </p:clrMapOvr>
+  <p:timing>
+    <p:tnLst>
+      <p:par>
+        <p:cTn id="1" dur="indefinite" restart="never" nodeType="tmRoot"/>
+      </p:par>
+    </p:tnLst>
+  </p:timing>
 </p:sld>
 </file>
 
@@ -6899,6 +7128,13 @@
   <p:clrMapOvr>
     <a:masterClrMapping/>
   </p:clrMapOvr>
+  <p:timing>
+    <p:tnLst>
+      <p:par>
+        <p:cTn id="1" dur="indefinite" restart="never" nodeType="tmRoot"/>
+      </p:par>
+    </p:tnLst>
+  </p:timing>
 </p:sld>
 </file>
 
@@ -7044,6 +7280,13 @@
   <p:clrMapOvr>
     <a:masterClrMapping/>
   </p:clrMapOvr>
+  <p:timing>
+    <p:tnLst>
+      <p:par>
+        <p:cTn id="1" dur="indefinite" restart="never" nodeType="tmRoot"/>
+      </p:par>
+    </p:tnLst>
+  </p:timing>
 </p:sld>
 </file>
 
@@ -7245,6 +7488,13 @@
   <p:clrMapOvr>
     <a:masterClrMapping/>
   </p:clrMapOvr>
+  <p:timing>
+    <p:tnLst>
+      <p:par>
+        <p:cTn id="1" dur="indefinite" restart="never" nodeType="tmRoot"/>
+      </p:par>
+    </p:tnLst>
+  </p:timing>
 </p:sld>
 </file>
 
@@ -7331,6 +7581,13 @@
   <p:clrMapOvr>
     <a:masterClrMapping/>
   </p:clrMapOvr>
+  <p:timing>
+    <p:tnLst>
+      <p:par>
+        <p:cTn id="1" dur="indefinite" restart="never" nodeType="tmRoot"/>
+      </p:par>
+    </p:tnLst>
+  </p:timing>
 </p:sld>
 </file>
 
@@ -7411,6 +7668,13 @@
   <p:clrMapOvr>
     <a:masterClrMapping/>
   </p:clrMapOvr>
+  <p:timing>
+    <p:tnLst>
+      <p:par>
+        <p:cTn id="1" dur="indefinite" restart="never" nodeType="tmRoot"/>
+      </p:par>
+    </p:tnLst>
+  </p:timing>
 </p:sld>
 </file>
 
@@ -7487,6 +7751,13 @@
   <p:clrMapOvr>
     <a:masterClrMapping/>
   </p:clrMapOvr>
+  <p:timing>
+    <p:tnLst>
+      <p:par>
+        <p:cTn id="1" dur="indefinite" restart="never" nodeType="tmRoot"/>
+      </p:par>
+    </p:tnLst>
+  </p:timing>
 </p:sld>
 </file>
 
